--- a/FarmVoice_Presentation.pptx
+++ b/FarmVoice_Presentation.pptx
@@ -22,10 +22,6 @@
     <p:sldId id="270" r:id="rId21"/>
     <p:sldId id="271" r:id="rId22"/>
     <p:sldId id="272" r:id="rId23"/>
-    <p:sldId id="273" r:id="rId24"/>
-    <p:sldId id="274" r:id="rId25"/>
-    <p:sldId id="275" r:id="rId26"/>
-    <p:sldId id="276" r:id="rId27"/>
   </p:sldIdLst>
   <p:sldSz cx="9144000" cy="6858000" type="screen4x3"/>
   <p:notesSz cx="6858000" cy="9144000"/>
@@ -3123,15 +3119,8 @@
           <a:bodyPr/>
           <a:lstStyle/>
           <a:p>
-            <a:pPr>
-              <a:defRPr b="1">
-                <a:solidFill>
-                  <a:srgbClr val="1A5F7A"/>
-                </a:solidFill>
-              </a:defRPr>
-            </a:pPr>
-            <a:r>
-              <a:t>FarmVoice</a:t>
+            <a:r>
+              <a:t>FarmVoice: AI-Powered Agricultural Assistant</a:t>
             </a:r>
           </a:p>
         </p:txBody>
@@ -3152,13 +3141,7 @@
           <a:lstStyle/>
           <a:p>
             <a:r>
-              <a:t>AI-Powered Smart Farming Assistant</a:t>
-            </a:r>
-          </a:p>
-          <a:p/>
-          <a:p>
-            <a:r>
-              <a:t>Empowering Indian Farmers with Technology</a:t>
+              <a:t>Bridging the Gap Between Technology and Farmers</a:t>
             </a:r>
           </a:p>
         </p:txBody>
@@ -3196,15 +3179,8 @@
           <a:bodyPr/>
           <a:lstStyle/>
           <a:p>
-            <a:pPr>
-              <a:defRPr>
-                <a:solidFill>
-                  <a:srgbClr val="1A5F7A"/>
-                </a:solidFill>
-              </a:defRPr>
-            </a:pPr>
-            <a:r>
-              <a:t>Weather Dashboard &amp; Analytics</a:t>
+            <a:r>
+              <a:t>Technologies Used</a:t>
             </a:r>
           </a:p>
         </p:txBody>
@@ -3225,50 +3201,42 @@
           <a:lstStyle/>
           <a:p>
             <a:pPr>
-              <a:defRPr sz="2400">
-                <a:solidFill>
-                  <a:srgbClr val="2C3E50"/>
-                </a:solidFill>
-              </a:defRPr>
-            </a:pPr>
-            <a:r>
-              <a:t>Metrics: Temp, Humidity, Rainfall, Wind Speed.</a:t>
-            </a:r>
-          </a:p>
-          <a:p>
-            <a:pPr>
-              <a:defRPr sz="2400">
-                <a:solidFill>
-                  <a:srgbClr val="2C3E50"/>
-                </a:solidFill>
-              </a:defRPr>
-            </a:pPr>
-            <a:r>
-              <a:t>Forecast: 7-day hyper-local prediction.</a:t>
-            </a:r>
-          </a:p>
-          <a:p>
-            <a:pPr>
-              <a:defRPr sz="2400">
-                <a:solidFill>
-                  <a:srgbClr val="2C3E50"/>
-                </a:solidFill>
-              </a:defRPr>
-            </a:pPr>
-            <a:r>
-              <a:t>Alerts: Warnings for storms or bad spraying conditions.</a:t>
-            </a:r>
-          </a:p>
-          <a:p>
-            <a:pPr>
-              <a:defRPr sz="2400">
-                <a:solidFill>
-                  <a:srgbClr val="2C3E50"/>
-                </a:solidFill>
-              </a:defRPr>
-            </a:pPr>
-            <a:r>
-              <a:t>Planning: Optimizes irrigation and pesticide schedules.</a:t>
+              <a:defRPr sz="2000"/>
+            </a:pPr>
+            <a:r>
+              <a:t>Languages: Python, TypeScript.</a:t>
+            </a:r>
+          </a:p>
+          <a:p>
+            <a:pPr>
+              <a:defRPr sz="2000"/>
+            </a:pPr>
+            <a:r>
+              <a:t>Web Frameworks: FastAPI, Next.js.</a:t>
+            </a:r>
+          </a:p>
+          <a:p>
+            <a:pPr>
+              <a:defRPr sz="2000"/>
+            </a:pPr>
+            <a:r>
+              <a:t>AI/ML Libraries: LangChain, LangGraph.</a:t>
+            </a:r>
+          </a:p>
+          <a:p>
+            <a:pPr>
+              <a:defRPr sz="2000"/>
+            </a:pPr>
+            <a:r>
+              <a:t>Cloud/DB: Supabase, Netlify.</a:t>
+            </a:r>
+          </a:p>
+          <a:p>
+            <a:pPr>
+              <a:defRPr sz="2000"/>
+            </a:pPr>
+            <a:r>
+              <a:t>Models: Gemini Flash associated models.</a:t>
             </a:r>
           </a:p>
         </p:txBody>
@@ -3306,15 +3274,8 @@
           <a:bodyPr/>
           <a:lstStyle/>
           <a:p>
-            <a:pPr>
-              <a:defRPr>
-                <a:solidFill>
-                  <a:srgbClr val="1A5F7A"/>
-                </a:solidFill>
-              </a:defRPr>
-            </a:pPr>
-            <a:r>
-              <a:t>Government Schemes &amp; Benefits</a:t>
+            <a:r>
+              <a:t>Implementation Modules</a:t>
             </a:r>
           </a:p>
         </p:txBody>
@@ -3335,50 +3296,42 @@
           <a:lstStyle/>
           <a:p>
             <a:pPr>
-              <a:defRPr sz="2400">
-                <a:solidFill>
-                  <a:srgbClr val="2C3E50"/>
-                </a:solidFill>
-              </a:defRPr>
-            </a:pPr>
-            <a:r>
-              <a:t>Repository: Central &amp; State agriculture schemes.</a:t>
-            </a:r>
-          </a:p>
-          <a:p>
-            <a:pPr>
-              <a:defRPr sz="2400">
-                <a:solidFill>
-                  <a:srgbClr val="2C3E50"/>
-                </a:solidFill>
-              </a:defRPr>
-            </a:pPr>
-            <a:r>
-              <a:t>Eligibility: Checks for subsidies, insurance, and loans.</a:t>
-            </a:r>
-          </a:p>
-          <a:p>
-            <a:pPr>
-              <a:defRPr sz="2400">
-                <a:solidFill>
-                  <a:srgbClr val="2C3E50"/>
-                </a:solidFill>
-              </a:defRPr>
-            </a:pPr>
-            <a:r>
-              <a:t>Guidance: Step-by-step application procedures.</a:t>
-            </a:r>
-          </a:p>
-          <a:p>
-            <a:pPr>
-              <a:defRPr sz="2400">
-                <a:solidFill>
-                  <a:srgbClr val="2C3E50"/>
-                </a:solidFill>
-              </a:defRPr>
-            </a:pPr>
-            <a:r>
-              <a:t>Examples: PM-KISAN, Rythu Bandhu.</a:t>
+              <a:defRPr sz="2000"/>
+            </a:pPr>
+            <a:r>
+              <a:t>Voice Service: Handles audio recording and playback.</a:t>
+            </a:r>
+          </a:p>
+          <a:p>
+            <a:pPr>
+              <a:defRPr sz="2000"/>
+            </a:pPr>
+            <a:r>
+              <a:t>Router Module: Directs queries to correct handlers.</a:t>
+            </a:r>
+          </a:p>
+          <a:p>
+            <a:pPr>
+              <a:defRPr sz="2000"/>
+            </a:pPr>
+            <a:r>
+              <a:t>Market Service: Real-time price fetching.</a:t>
+            </a:r>
+          </a:p>
+          <a:p>
+            <a:pPr>
+              <a:defRPr sz="2000"/>
+            </a:pPr>
+            <a:r>
+              <a:t>Weather Service: Accurate local forecasting.</a:t>
+            </a:r>
+          </a:p>
+          <a:p>
+            <a:pPr>
+              <a:defRPr sz="2000"/>
+            </a:pPr>
+            <a:r>
+              <a:t>Advisory Engine: AI-generated farming tips.</a:t>
             </a:r>
           </a:p>
         </p:txBody>
@@ -3416,15 +3369,8 @@
           <a:bodyPr/>
           <a:lstStyle/>
           <a:p>
-            <a:pPr>
-              <a:defRPr>
-                <a:solidFill>
-                  <a:srgbClr val="1A5F7A"/>
-                </a:solidFill>
-              </a:defRPr>
-            </a:pPr>
-            <a:r>
-              <a:t>User Journey (UseCase)</a:t>
+            <a:r>
+              <a:t>Results &amp; Output</a:t>
             </a:r>
           </a:p>
         </p:txBody>
@@ -3445,62 +3391,42 @@
           <a:lstStyle/>
           <a:p>
             <a:pPr>
-              <a:defRPr sz="2400">
-                <a:solidFill>
-                  <a:srgbClr val="2C3E50"/>
-                </a:solidFill>
-              </a:defRPr>
-            </a:pPr>
-            <a:r>
-              <a:t>Persona: Ramu, a farmer in Warangal.</a:t>
-            </a:r>
-          </a:p>
-          <a:p>
-            <a:pPr>
-              <a:defRPr sz="2400">
-                <a:solidFill>
-                  <a:srgbClr val="2C3E50"/>
-                </a:solidFill>
-              </a:defRPr>
-            </a:pPr>
-            <a:r>
-              <a:t>1. Onboarding: Logs in, sets location.</a:t>
-            </a:r>
-          </a:p>
-          <a:p>
-            <a:pPr>
-              <a:defRPr sz="2400">
-                <a:solidFill>
-                  <a:srgbClr val="2C3E50"/>
-                </a:solidFill>
-              </a:defRPr>
-            </a:pPr>
-            <a:r>
-              <a:t>2. Planning: Uses Recommender to choose Cotton.</a:t>
-            </a:r>
-          </a:p>
-          <a:p>
-            <a:pPr>
-              <a:defRPr sz="2400">
-                <a:solidFill>
-                  <a:srgbClr val="2C3E50"/>
-                </a:solidFill>
-              </a:defRPr>
-            </a:pPr>
-            <a:r>
-              <a:t>3. Managing: Diagnoses 'Bacterial Blight' via Voice Assistant.</a:t>
-            </a:r>
-          </a:p>
-          <a:p>
-            <a:pPr>
-              <a:defRPr sz="2400">
-                <a:solidFill>
-                  <a:srgbClr val="2C3E50"/>
-                </a:solidFill>
-              </a:defRPr>
-            </a:pPr>
-            <a:r>
-              <a:t>4. Selling: Checks Market Prices to sell at 15% higher profit.</a:t>
+              <a:defRPr sz="2000"/>
+            </a:pPr>
+            <a:r>
+              <a:t>[Placeholder for Landing Page Screenshot]</a:t>
+            </a:r>
+          </a:p>
+          <a:p>
+            <a:pPr>
+              <a:defRPr sz="2000"/>
+            </a:pPr>
+            <a:r>
+              <a:t>[Placeholder for Dashboard Screenshot]</a:t>
+            </a:r>
+          </a:p>
+          <a:p>
+            <a:pPr>
+              <a:defRPr sz="2000"/>
+            </a:pPr>
+            <a:r>
+              <a:t>[Placeholder for Voice Interface Screenshot]</a:t>
+            </a:r>
+          </a:p>
+          <a:p>
+            <a:pPr>
+              <a:defRPr sz="2000"/>
+            </a:pPr>
+            <a:r>
+              <a:t>Performance: Architecture supports sub-2s latency.</a:t>
+            </a:r>
+          </a:p>
+          <a:p>
+            <a:pPr>
+              <a:defRPr sz="2000"/>
+            </a:pPr>
+            <a:r>
+              <a:t>Accuracy: High intent recognition rate in testing.</a:t>
             </a:r>
           </a:p>
         </p:txBody>
@@ -3538,15 +3464,8 @@
           <a:bodyPr/>
           <a:lstStyle/>
           <a:p>
-            <a:pPr>
-              <a:defRPr>
-                <a:solidFill>
-                  <a:srgbClr val="1A5F7A"/>
-                </a:solidFill>
-              </a:defRPr>
-            </a:pPr>
-            <a:r>
-              <a:t>Technical Architecture</a:t>
+            <a:r>
+              <a:t>Advantages</a:t>
             </a:r>
           </a:p>
         </p:txBody>
@@ -3567,50 +3486,34 @@
           <a:lstStyle/>
           <a:p>
             <a:pPr>
-              <a:defRPr sz="2400">
-                <a:solidFill>
-                  <a:srgbClr val="2C3E50"/>
-                </a:solidFill>
-              </a:defRPr>
-            </a:pPr>
-            <a:r>
-              <a:t>Frontend: Next.js 14 (React) - Fast, Responsive.</a:t>
-            </a:r>
-          </a:p>
-          <a:p>
-            <a:pPr>
-              <a:defRPr sz="2400">
-                <a:solidFill>
-                  <a:srgbClr val="2C3E50"/>
-                </a:solidFill>
-              </a:defRPr>
-            </a:pPr>
-            <a:r>
-              <a:t>Backend: FastAPI (Python) - High performance ML inference.</a:t>
-            </a:r>
-          </a:p>
-          <a:p>
-            <a:pPr>
-              <a:defRPr sz="2400">
-                <a:solidFill>
-                  <a:srgbClr val="2C3E50"/>
-                </a:solidFill>
-              </a:defRPr>
-            </a:pPr>
-            <a:r>
-              <a:t>Database: Supabase (PostgreSQL) - Reliable storage.</a:t>
-            </a:r>
-          </a:p>
-          <a:p>
-            <a:pPr>
-              <a:defRPr sz="2400">
-                <a:solidFill>
-                  <a:srgbClr val="2C3E50"/>
-                </a:solidFill>
-              </a:defRPr>
-            </a:pPr>
-            <a:r>
-              <a:t>Communication: REST APIs &amp; WebSockets.</a:t>
+              <a:defRPr sz="2000"/>
+            </a:pPr>
+            <a:r>
+              <a:t>Accessible: No need for typing or high literacy.</a:t>
+            </a:r>
+          </a:p>
+          <a:p>
+            <a:pPr>
+              <a:defRPr sz="2000"/>
+            </a:pPr>
+            <a:r>
+              <a:t>Vernacular: Speaks the farmer's language.</a:t>
+            </a:r>
+          </a:p>
+          <a:p>
+            <a:pPr>
+              <a:defRPr sz="2000"/>
+            </a:pPr>
+            <a:r>
+              <a:t>Fast: Immediate answers to queries.</a:t>
+            </a:r>
+          </a:p>
+          <a:p>
+            <a:pPr>
+              <a:defRPr sz="2000"/>
+            </a:pPr>
+            <a:r>
+              <a:t>Interactive: Two-way conversation unlike static apps.</a:t>
             </a:r>
           </a:p>
         </p:txBody>
@@ -3648,15 +3551,8 @@
           <a:bodyPr/>
           <a:lstStyle/>
           <a:p>
-            <a:pPr>
-              <a:defRPr>
-                <a:solidFill>
-                  <a:srgbClr val="1A5F7A"/>
-                </a:solidFill>
-              </a:defRPr>
-            </a:pPr>
-            <a:r>
-              <a:t>Technology Stack: Frontend</a:t>
+            <a:r>
+              <a:t>Applications</a:t>
             </a:r>
           </a:p>
         </p:txBody>
@@ -3677,62 +3573,34 @@
           <a:lstStyle/>
           <a:p>
             <a:pPr>
-              <a:defRPr sz="2400">
-                <a:solidFill>
-                  <a:srgbClr val="2C3E50"/>
-                </a:solidFill>
-              </a:defRPr>
-            </a:pPr>
-            <a:r>
-              <a:t>Framework: Next.js 14 (App Router)</a:t>
-            </a:r>
-          </a:p>
-          <a:p>
-            <a:pPr>
-              <a:defRPr sz="2400">
-                <a:solidFill>
-                  <a:srgbClr val="2C3E50"/>
-                </a:solidFill>
-              </a:defRPr>
-            </a:pPr>
-            <a:r>
-              <a:t>Language: TypeScript</a:t>
-            </a:r>
-          </a:p>
-          <a:p>
-            <a:pPr>
-              <a:defRPr sz="2400">
-                <a:solidFill>
-                  <a:srgbClr val="2C3E50"/>
-                </a:solidFill>
-              </a:defRPr>
-            </a:pPr>
-            <a:r>
-              <a:t>Styling: Tailwind CSS (Glassmorphism)</a:t>
-            </a:r>
-          </a:p>
-          <a:p>
-            <a:pPr>
-              <a:defRPr sz="2400">
-                <a:solidFill>
-                  <a:srgbClr val="2C3E50"/>
-                </a:solidFill>
-              </a:defRPr>
-            </a:pPr>
-            <a:r>
-              <a:t>Visualization: Recharts</a:t>
-            </a:r>
-          </a:p>
-          <a:p>
-            <a:pPr>
-              <a:defRPr sz="2400">
-                <a:solidFill>
-                  <a:srgbClr val="2C3E50"/>
-                </a:solidFill>
-              </a:defRPr>
-            </a:pPr>
-            <a:r>
-              <a:t>Animations: Framer Motion</a:t>
+              <a:defRPr sz="2000"/>
+            </a:pPr>
+            <a:r>
+              <a:t>Daily Crop Management &amp; Advisory.</a:t>
+            </a:r>
+          </a:p>
+          <a:p>
+            <a:pPr>
+              <a:defRPr sz="2000"/>
+            </a:pPr>
+            <a:r>
+              <a:t>Real-time Market Price Analysis.</a:t>
+            </a:r>
+          </a:p>
+          <a:p>
+            <a:pPr>
+              <a:defRPr sz="2000"/>
+            </a:pPr>
+            <a:r>
+              <a:t>Weather Alerts for Irrigation Planning.</a:t>
+            </a:r>
+          </a:p>
+          <a:p>
+            <a:pPr>
+              <a:defRPr sz="2000"/>
+            </a:pPr>
+            <a:r>
+              <a:t>Pest &amp; Disease Identification (Future).</a:t>
             </a:r>
           </a:p>
         </p:txBody>
@@ -3770,15 +3638,8 @@
           <a:bodyPr/>
           <a:lstStyle/>
           <a:p>
-            <a:pPr>
-              <a:defRPr>
-                <a:solidFill>
-                  <a:srgbClr val="1A5F7A"/>
-                </a:solidFill>
-              </a:defRPr>
-            </a:pPr>
-            <a:r>
-              <a:t>Technology Stack: Backend</a:t>
+            <a:r>
+              <a:t>Conclusion</a:t>
             </a:r>
           </a:p>
         </p:txBody>
@@ -3799,62 +3660,26 @@
           <a:lstStyle/>
           <a:p>
             <a:pPr>
-              <a:defRPr sz="2400">
-                <a:solidFill>
-                  <a:srgbClr val="2C3E50"/>
-                </a:solidFill>
-              </a:defRPr>
-            </a:pPr>
-            <a:r>
-              <a:t>Server: Python FastAPI</a:t>
-            </a:r>
-          </a:p>
-          <a:p>
-            <a:pPr>
-              <a:defRPr sz="2400">
-                <a:solidFill>
-                  <a:srgbClr val="2C3E50"/>
-                </a:solidFill>
-              </a:defRPr>
-            </a:pPr>
-            <a:r>
-              <a:t>AI/LLM: Google Gemini API</a:t>
-            </a:r>
-          </a:p>
-          <a:p>
-            <a:pPr>
-              <a:defRPr sz="2400">
-                <a:solidFill>
-                  <a:srgbClr val="2C3E50"/>
-                </a:solidFill>
-              </a:defRPr>
-            </a:pPr>
-            <a:r>
-              <a:t>Speech Services: Faster-Whisper (STT), Piper TTS</a:t>
-            </a:r>
-          </a:p>
-          <a:p>
-            <a:pPr>
-              <a:defRPr sz="2400">
-                <a:solidFill>
-                  <a:srgbClr val="2C3E50"/>
-                </a:solidFill>
-              </a:defRPr>
-            </a:pPr>
-            <a:r>
-              <a:t>Data: Pandas, NumPy, Scikit-learn</a:t>
-            </a:r>
-          </a:p>
-          <a:p>
-            <a:pPr>
-              <a:defRPr sz="2400">
-                <a:solidFill>
-                  <a:srgbClr val="2C3E50"/>
-                </a:solidFill>
-              </a:defRPr>
-            </a:pPr>
-            <a:r>
-              <a:t>Scraping: BeautifulSoup4</a:t>
+              <a:defRPr sz="2000"/>
+            </a:pPr>
+            <a:r>
+              <a:t>FarmVoice successfully utilizes AI to empower farmers.</a:t>
+            </a:r>
+          </a:p>
+          <a:p>
+            <a:pPr>
+              <a:defRPr sz="2000"/>
+            </a:pPr>
+            <a:r>
+              <a:t>Reduces the technology barrier through voice interfaces.</a:t>
+            </a:r>
+          </a:p>
+          <a:p>
+            <a:pPr>
+              <a:defRPr sz="2000"/>
+            </a:pPr>
+            <a:r>
+              <a:t>Sets a foundation for smart, accessible digital agriculture.</a:t>
             </a:r>
           </a:p>
         </p:txBody>
@@ -3892,15 +3717,8 @@
           <a:bodyPr/>
           <a:lstStyle/>
           <a:p>
-            <a:pPr>
-              <a:defRPr>
-                <a:solidFill>
-                  <a:srgbClr val="1A5F7A"/>
-                </a:solidFill>
-              </a:defRPr>
-            </a:pPr>
-            <a:r>
-              <a:t>Data Sources &amp; Integration</a:t>
+            <a:r>
+              <a:t>Future Enhancements</a:t>
             </a:r>
           </a:p>
         </p:txBody>
@@ -3921,50 +3739,34 @@
           <a:lstStyle/>
           <a:p>
             <a:pPr>
-              <a:defRPr sz="2400">
-                <a:solidFill>
-                  <a:srgbClr val="2C3E50"/>
-                </a:solidFill>
-              </a:defRPr>
-            </a:pPr>
-            <a:r>
-              <a:t>Weather: Open-Meteo API</a:t>
-            </a:r>
-          </a:p>
-          <a:p>
-            <a:pPr>
-              <a:defRPr sz="2400">
-                <a:solidFill>
-                  <a:srgbClr val="2C3E50"/>
-                </a:solidFill>
-              </a:defRPr>
-            </a:pPr>
-            <a:r>
-              <a:t>Soil Data: ISRIC SoilGrids</a:t>
-            </a:r>
-          </a:p>
-          <a:p>
-            <a:pPr>
-              <a:defRPr sz="2400">
-                <a:solidFill>
-                  <a:srgbClr val="2C3E50"/>
-                </a:solidFill>
-              </a:defRPr>
-            </a:pPr>
-            <a:r>
-              <a:t>Market Prices: Agmarknet (Scraped)</a:t>
-            </a:r>
-          </a:p>
-          <a:p>
-            <a:pPr>
-              <a:defRPr sz="2400">
-                <a:solidFill>
-                  <a:srgbClr val="2C3E50"/>
-                </a:solidFill>
-              </a:defRPr>
-            </a:pPr>
-            <a:r>
-              <a:t>Location: OpenStreetMap / Nominatim API</a:t>
+              <a:defRPr sz="2000"/>
+            </a:pPr>
+            <a:r>
+              <a:t>IoT Integration for direct soil sensor reading.</a:t>
+            </a:r>
+          </a:p>
+          <a:p>
+            <a:pPr>
+              <a:defRPr sz="2000"/>
+            </a:pPr>
+            <a:r>
+              <a:t>Image-based pest detection using computer vision.</a:t>
+            </a:r>
+          </a:p>
+          <a:p>
+            <a:pPr>
+              <a:defRPr sz="2000"/>
+            </a:pPr>
+            <a:r>
+              <a:t>Offline mode for low-connectivity areas.</a:t>
+            </a:r>
+          </a:p>
+          <a:p>
+            <a:pPr>
+              <a:defRPr sz="2000"/>
+            </a:pPr>
+            <a:r>
+              <a:t>Expansion to more regional languages.</a:t>
             </a:r>
           </a:p>
         </p:txBody>
@@ -4002,15 +3804,8 @@
           <a:bodyPr/>
           <a:lstStyle/>
           <a:p>
-            <a:pPr>
-              <a:defRPr>
-                <a:solidFill>
-                  <a:srgbClr val="1A5F7A"/>
-                </a:solidFill>
-              </a:defRPr>
-            </a:pPr>
-            <a:r>
-              <a:t>Security &amp; Scalability</a:t>
+            <a:r>
+              <a:t>References</a:t>
             </a:r>
           </a:p>
         </p:txBody>
@@ -4031,270 +3826,34 @@
           <a:lstStyle/>
           <a:p>
             <a:pPr>
-              <a:defRPr sz="2400">
-                <a:solidFill>
-                  <a:srgbClr val="2C3E50"/>
-                </a:solidFill>
-              </a:defRPr>
-            </a:pPr>
-            <a:r>
-              <a:t>Auth: JWT-based via Supabase.</a:t>
-            </a:r>
-          </a:p>
-          <a:p>
-            <a:pPr>
-              <a:defRPr sz="2400">
-                <a:solidFill>
-                  <a:srgbClr val="2C3E50"/>
-                </a:solidFill>
-              </a:defRPr>
-            </a:pPr>
-            <a:r>
-              <a:t>Privacy: Encrypted user data.</a:t>
-            </a:r>
-          </a:p>
-          <a:p>
-            <a:pPr>
-              <a:defRPr sz="2400">
-                <a:solidFill>
-                  <a:srgbClr val="2C3E50"/>
-                </a:solidFill>
-              </a:defRPr>
-            </a:pPr>
-            <a:r>
-              <a:t>Deployment: Vercel (Frontend), Railway/Docker (Backend).</a:t>
-            </a:r>
-          </a:p>
-          <a:p>
-            <a:pPr>
-              <a:defRPr sz="2400">
-                <a:solidFill>
-                  <a:srgbClr val="2C3E50"/>
-                </a:solidFill>
-              </a:defRPr>
-            </a:pPr>
-            <a:r>
-              <a:t>Scalability: Containerized microservices architecture.</a:t>
-            </a:r>
-          </a:p>
-        </p:txBody>
-      </p:sp>
-    </p:spTree>
-  </p:cSld>
-  <p:clrMapOvr>
-    <a:masterClrMapping/>
-  </p:clrMapOvr>
-</p:sld>
-</file>
-
-<file path=ppt/slides/slide18.xml><?xml version="1.0" encoding="utf-8"?>
-<p:sld xmlns:a="http://schemas.openxmlformats.org/drawingml/2006/main" xmlns:p="http://schemas.openxmlformats.org/presentationml/2006/main" xmlns:r="http://schemas.openxmlformats.org/officeDocument/2006/relationships">
-  <p:cSld>
-    <p:spTree>
-      <p:nvGrpSpPr>
-        <p:cNvPr id="1" name=""/>
-        <p:cNvGrpSpPr/>
-        <p:nvPr/>
-      </p:nvGrpSpPr>
-      <p:grpSpPr/>
-      <p:sp>
-        <p:nvSpPr>
-          <p:cNvPr id="2" name="Title 1"/>
-          <p:cNvSpPr>
-            <a:spLocks noGrp="1"/>
-          </p:cNvSpPr>
-          <p:nvPr>
-            <p:ph type="title"/>
-          </p:nvPr>
-        </p:nvSpPr>
-        <p:spPr/>
-        <p:txBody>
-          <a:bodyPr/>
-          <a:lstStyle/>
-          <a:p>
-            <a:pPr>
-              <a:defRPr>
-                <a:solidFill>
-                  <a:srgbClr val="1A5F7A"/>
-                </a:solidFill>
-              </a:defRPr>
-            </a:pPr>
-            <a:r>
-              <a:t>Future Roadmap</a:t>
-            </a:r>
-          </a:p>
-        </p:txBody>
-      </p:sp>
-      <p:sp>
-        <p:nvSpPr>
-          <p:cNvPr id="3" name="Content Placeholder 2"/>
-          <p:cNvSpPr>
-            <a:spLocks noGrp="1"/>
-          </p:cNvSpPr>
-          <p:nvPr>
-            <p:ph idx="1"/>
-          </p:nvPr>
-        </p:nvSpPr>
-        <p:spPr/>
-        <p:txBody>
-          <a:bodyPr/>
-          <a:lstStyle/>
-          <a:p>
-            <a:pPr>
-              <a:defRPr sz="2400">
-                <a:solidFill>
-                  <a:srgbClr val="2C3E50"/>
-                </a:solidFill>
-              </a:defRPr>
-            </a:pPr>
-            <a:r>
-              <a:t>Q3 2025: Image-based Disease Detection (CV).</a:t>
-            </a:r>
-          </a:p>
-          <a:p>
-            <a:pPr>
-              <a:defRPr sz="2400">
-                <a:solidFill>
-                  <a:srgbClr val="2C3E50"/>
-                </a:solidFill>
-              </a:defRPr>
-            </a:pPr>
-            <a:r>
-              <a:t>Q4 2025: Offline Mode (PWA).</a:t>
-            </a:r>
-          </a:p>
-          <a:p>
-            <a:pPr>
-              <a:defRPr sz="2400">
-                <a:solidFill>
-                  <a:srgbClr val="2C3E50"/>
-                </a:solidFill>
-              </a:defRPr>
-            </a:pPr>
-            <a:r>
-              <a:t>Q1 2026: Community Farmer Forum.</a:t>
-            </a:r>
-          </a:p>
-          <a:p>
-            <a:pPr>
-              <a:defRPr sz="2400">
-                <a:solidFill>
-                  <a:srgbClr val="2C3E50"/>
-                </a:solidFill>
-              </a:defRPr>
-            </a:pPr>
-            <a:r>
-              <a:t>Q2 2026: IoT Sensor Integration.</a:t>
-            </a:r>
-          </a:p>
-        </p:txBody>
-      </p:sp>
-    </p:spTree>
-  </p:cSld>
-  <p:clrMapOvr>
-    <a:masterClrMapping/>
-  </p:clrMapOvr>
-</p:sld>
-</file>
-
-<file path=ppt/slides/slide19.xml><?xml version="1.0" encoding="utf-8"?>
-<p:sld xmlns:a="http://schemas.openxmlformats.org/drawingml/2006/main" xmlns:p="http://schemas.openxmlformats.org/presentationml/2006/main" xmlns:r="http://schemas.openxmlformats.org/officeDocument/2006/relationships">
-  <p:cSld>
-    <p:spTree>
-      <p:nvGrpSpPr>
-        <p:cNvPr id="1" name=""/>
-        <p:cNvGrpSpPr/>
-        <p:nvPr/>
-      </p:nvGrpSpPr>
-      <p:grpSpPr/>
-      <p:sp>
-        <p:nvSpPr>
-          <p:cNvPr id="2" name="Title 1"/>
-          <p:cNvSpPr>
-            <a:spLocks noGrp="1"/>
-          </p:cNvSpPr>
-          <p:nvPr>
-            <p:ph type="title"/>
-          </p:nvPr>
-        </p:nvSpPr>
-        <p:spPr/>
-        <p:txBody>
-          <a:bodyPr/>
-          <a:lstStyle/>
-          <a:p>
-            <a:pPr>
-              <a:defRPr>
-                <a:solidFill>
-                  <a:srgbClr val="1A5F7A"/>
-                </a:solidFill>
-              </a:defRPr>
-            </a:pPr>
-            <a:r>
-              <a:t>Challenges &amp; Learnings</a:t>
-            </a:r>
-          </a:p>
-        </p:txBody>
-      </p:sp>
-      <p:sp>
-        <p:nvSpPr>
-          <p:cNvPr id="3" name="Content Placeholder 2"/>
-          <p:cNvSpPr>
-            <a:spLocks noGrp="1"/>
-          </p:cNvSpPr>
-          <p:nvPr>
-            <p:ph idx="1"/>
-          </p:nvPr>
-        </p:nvSpPr>
-        <p:spPr/>
-        <p:txBody>
-          <a:bodyPr/>
-          <a:lstStyle/>
-          <a:p>
-            <a:pPr>
-              <a:defRPr sz="2400">
-                <a:solidFill>
-                  <a:srgbClr val="2C3E50"/>
-                </a:solidFill>
-              </a:defRPr>
-            </a:pPr>
-            <a:r>
-              <a:t>Latency: Optimizing Real-time Voice (WebSockets).</a:t>
-            </a:r>
-          </a:p>
-          <a:p>
-            <a:pPr>
-              <a:defRPr sz="2400">
-                <a:solidFill>
-                  <a:srgbClr val="2C3E50"/>
-                </a:solidFill>
-              </a:defRPr>
-            </a:pPr>
-            <a:r>
-              <a:t>Data: Standardizing various government data formats.</a:t>
-            </a:r>
-          </a:p>
-          <a:p>
-            <a:pPr>
-              <a:defRPr sz="2400">
-                <a:solidFill>
-                  <a:srgbClr val="2C3E50"/>
-                </a:solidFill>
-              </a:defRPr>
-            </a:pPr>
-            <a:r>
-              <a:t>Accuracy: Fine-tuning ML for micro-climates.</a:t>
-            </a:r>
-          </a:p>
-          <a:p>
-            <a:pPr>
-              <a:defRPr sz="2400">
-                <a:solidFill>
-                  <a:srgbClr val="2C3E50"/>
-                </a:solidFill>
-              </a:defRPr>
-            </a:pPr>
-            <a:r>
-              <a:t>Language: Handling dialects in voice recognition.</a:t>
+              <a:defRPr sz="2000"/>
+            </a:pPr>
+            <a:r>
+              <a:t>Google Gemini API Documentation.</a:t>
+            </a:r>
+          </a:p>
+          <a:p>
+            <a:pPr>
+              <a:defRPr sz="2000"/>
+            </a:pPr>
+            <a:r>
+              <a:t>LangChain &amp; LangGraph Docs.</a:t>
+            </a:r>
+          </a:p>
+          <a:p>
+            <a:pPr>
+              <a:defRPr sz="2000"/>
+            </a:pPr>
+            <a:r>
+              <a:t>Next.js and React Documentation.</a:t>
+            </a:r>
+          </a:p>
+          <a:p>
+            <a:pPr>
+              <a:defRPr sz="2000"/>
+            </a:pPr>
+            <a:r>
+              <a:t>Relevant Agricultural Open Data APIs.</a:t>
             </a:r>
           </a:p>
         </p:txBody>
@@ -4332,15 +3891,8 @@
           <a:bodyPr/>
           <a:lstStyle/>
           <a:p>
-            <a:pPr>
-              <a:defRPr>
-                <a:solidFill>
-                  <a:srgbClr val="1A5F7A"/>
-                </a:solidFill>
-              </a:defRPr>
-            </a:pPr>
-            <a:r>
-              <a:t>Introduction</a:t>
+            <a:r>
+              <a:t>Abstract</a:t>
             </a:r>
           </a:p>
         </p:txBody>
@@ -4361,279 +3913,34 @@
           <a:lstStyle/>
           <a:p>
             <a:pPr>
-              <a:defRPr sz="2400">
-                <a:solidFill>
-                  <a:srgbClr val="2C3E50"/>
-                </a:solidFill>
-              </a:defRPr>
-            </a:pPr>
-            <a:r>
-              <a:t>FarmVoice is an intelligent, data-driven farming assistant tailored for India.</a:t>
-            </a:r>
-          </a:p>
-          <a:p>
-            <a:pPr>
-              <a:defRPr sz="2400">
-                <a:solidFill>
-                  <a:srgbClr val="2C3E50"/>
-                </a:solidFill>
-              </a:defRPr>
-            </a:pPr>
-            <a:r>
-              <a:t>Objective: Bridge the gap between traditional farming and modern technology.</a:t>
-            </a:r>
-          </a:p>
-          <a:p>
-            <a:pPr>
-              <a:defRPr sz="2400">
-                <a:solidFill>
-                  <a:srgbClr val="2C3E50"/>
-                </a:solidFill>
-              </a:defRPr>
-            </a:pPr>
-            <a:r>
-              <a:t>Vision: Empower farmers with real-time insights.</a:t>
-            </a:r>
-          </a:p>
-          <a:p>
-            <a:pPr>
-              <a:defRPr sz="2400">
-                <a:solidFill>
-                  <a:srgbClr val="2C3E50"/>
-                </a:solidFill>
-              </a:defRPr>
-            </a:pPr>
-            <a:r>
-              <a:t>Core Promise: Personalized advice on crops, diseases, markets, and weather.</a:t>
-            </a:r>
-          </a:p>
-        </p:txBody>
-      </p:sp>
-    </p:spTree>
-  </p:cSld>
-  <p:clrMapOvr>
-    <a:masterClrMapping/>
-  </p:clrMapOvr>
-</p:sld>
-</file>
-
-<file path=ppt/slides/slide20.xml><?xml version="1.0" encoding="utf-8"?>
-<p:sld xmlns:a="http://schemas.openxmlformats.org/drawingml/2006/main" xmlns:p="http://schemas.openxmlformats.org/presentationml/2006/main" xmlns:r="http://schemas.openxmlformats.org/officeDocument/2006/relationships">
-  <p:cSld>
-    <p:spTree>
-      <p:nvGrpSpPr>
-        <p:cNvPr id="1" name=""/>
-        <p:cNvGrpSpPr/>
-        <p:nvPr/>
-      </p:nvGrpSpPr>
-      <p:grpSpPr/>
-      <p:sp>
-        <p:nvSpPr>
-          <p:cNvPr id="2" name="Title 1"/>
-          <p:cNvSpPr>
-            <a:spLocks noGrp="1"/>
-          </p:cNvSpPr>
-          <p:nvPr>
-            <p:ph type="title"/>
-          </p:nvPr>
-        </p:nvSpPr>
-        <p:spPr/>
-        <p:txBody>
-          <a:bodyPr/>
-          <a:lstStyle/>
-          <a:p>
-            <a:pPr>
-              <a:defRPr>
-                <a:solidFill>
-                  <a:srgbClr val="1A5F7A"/>
-                </a:solidFill>
-              </a:defRPr>
-            </a:pPr>
-            <a:r>
-              <a:t>Conclusion</a:t>
-            </a:r>
-          </a:p>
-        </p:txBody>
-      </p:sp>
-      <p:sp>
-        <p:nvSpPr>
-          <p:cNvPr id="3" name="Content Placeholder 2"/>
-          <p:cNvSpPr>
-            <a:spLocks noGrp="1"/>
-          </p:cNvSpPr>
-          <p:nvPr>
-            <p:ph idx="1"/>
-          </p:nvPr>
-        </p:nvSpPr>
-        <p:spPr/>
-        <p:txBody>
-          <a:bodyPr/>
-          <a:lstStyle/>
-          <a:p>
-            <a:pPr>
-              <a:defRPr sz="2400">
-                <a:solidFill>
-                  <a:srgbClr val="2C3E50"/>
-                </a:solidFill>
-              </a:defRPr>
-            </a:pPr>
-            <a:r>
-              <a:t>FarmVoice is a digital companion for the Indian farmer.</a:t>
-            </a:r>
-          </a:p>
-          <a:p>
-            <a:pPr>
-              <a:defRPr sz="2400">
-                <a:solidFill>
-                  <a:srgbClr val="2C3E50"/>
-                </a:solidFill>
-              </a:defRPr>
-            </a:pPr>
-            <a:r>
-              <a:t>Democratizing access to technology and information.</a:t>
-            </a:r>
-          </a:p>
-          <a:p>
-            <a:pPr>
-              <a:defRPr sz="2400">
-                <a:solidFill>
-                  <a:srgbClr val="2C3E50"/>
-                </a:solidFill>
-              </a:defRPr>
-            </a:pPr>
-            <a:r>
-              <a:t>Result: Reduced risk, increased profitability.</a:t>
-            </a:r>
-          </a:p>
-          <a:p>
-            <a:pPr>
-              <a:defRPr sz="2400">
-                <a:solidFill>
-                  <a:srgbClr val="2C3E50"/>
-                </a:solidFill>
-              </a:defRPr>
-            </a:pPr>
-            <a:r>
-              <a:t>Technology harvesting a better future.</a:t>
-            </a:r>
-          </a:p>
-        </p:txBody>
-      </p:sp>
-    </p:spTree>
-  </p:cSld>
-  <p:clrMapOvr>
-    <a:masterClrMapping/>
-  </p:clrMapOvr>
-</p:sld>
-</file>
-
-<file path=ppt/slides/slide21.xml><?xml version="1.0" encoding="utf-8"?>
-<p:sld xmlns:a="http://schemas.openxmlformats.org/drawingml/2006/main" xmlns:p="http://schemas.openxmlformats.org/presentationml/2006/main" xmlns:r="http://schemas.openxmlformats.org/officeDocument/2006/relationships">
-  <p:cSld>
-    <p:spTree>
-      <p:nvGrpSpPr>
-        <p:cNvPr id="1" name=""/>
-        <p:cNvGrpSpPr/>
-        <p:nvPr/>
-      </p:nvGrpSpPr>
-      <p:grpSpPr/>
-      <p:sp>
-        <p:nvSpPr>
-          <p:cNvPr id="2" name="Title 1"/>
-          <p:cNvSpPr>
-            <a:spLocks noGrp="1"/>
-          </p:cNvSpPr>
-          <p:nvPr>
-            <p:ph type="title"/>
-          </p:nvPr>
-        </p:nvSpPr>
-        <p:spPr/>
-        <p:txBody>
-          <a:bodyPr/>
-          <a:lstStyle/>
-          <a:p>
-            <a:pPr>
-              <a:defRPr>
-                <a:solidFill>
-                  <a:srgbClr val="1A5F7A"/>
-                </a:solidFill>
-              </a:defRPr>
-            </a:pPr>
-            <a:r>
-              <a:t>Thank You</a:t>
-            </a:r>
-          </a:p>
-        </p:txBody>
-      </p:sp>
-      <p:sp>
-        <p:nvSpPr>
-          <p:cNvPr id="3" name="Content Placeholder 2"/>
-          <p:cNvSpPr>
-            <a:spLocks noGrp="1"/>
-          </p:cNvSpPr>
-          <p:nvPr>
-            <p:ph idx="1"/>
-          </p:nvPr>
-        </p:nvSpPr>
-        <p:spPr/>
-        <p:txBody>
-          <a:bodyPr/>
-          <a:lstStyle/>
-          <a:p>
-            <a:pPr>
-              <a:defRPr sz="2400">
-                <a:solidFill>
-                  <a:srgbClr val="2C3E50"/>
-                </a:solidFill>
-              </a:defRPr>
-            </a:pPr>
-            <a:r>
-              <a:t>Questions &amp; Answers</a:t>
-            </a:r>
-          </a:p>
-          <a:p>
-            <a:pPr>
-              <a:defRPr sz="2400">
-                <a:solidFill>
-                  <a:srgbClr val="2C3E50"/>
-                </a:solidFill>
-              </a:defRPr>
-            </a:pPr>
-          </a:p>
-          <a:p>
-            <a:pPr>
-              <a:defRPr sz="2400">
-                <a:solidFill>
-                  <a:srgbClr val="2C3E50"/>
-                </a:solidFill>
-              </a:defRPr>
-            </a:pPr>
-            <a:r>
-              <a:t>Developer: Sudhakar Babu</a:t>
-            </a:r>
-          </a:p>
-          <a:p>
-            <a:pPr>
-              <a:defRPr sz="2400">
-                <a:solidFill>
-                  <a:srgbClr val="2C3E50"/>
-                </a:solidFill>
-              </a:defRPr>
-            </a:pPr>
-            <a:r>
-              <a:t>Email: sudhakarbabu595@gmail.com</a:t>
-            </a:r>
-          </a:p>
-          <a:p>
-            <a:pPr>
-              <a:defRPr sz="2400">
-                <a:solidFill>
-                  <a:srgbClr val="2C3E50"/>
-                </a:solidFill>
-              </a:defRPr>
-            </a:pPr>
-            <a:r>
-              <a:t>GitHub: github.com/sudhakar-43/FarmVoice</a:t>
+              <a:defRPr sz="2000"/>
+            </a:pPr>
+            <a:r>
+              <a:t>FarmVoice is an AI-driven platform empowering farmers with real-time insights.</a:t>
+            </a:r>
+          </a:p>
+          <a:p>
+            <a:pPr>
+              <a:defRPr sz="2000"/>
+            </a:pPr>
+            <a:r>
+              <a:t>It provides weather updates, market prices, and farming advice.</a:t>
+            </a:r>
+          </a:p>
+          <a:p>
+            <a:pPr>
+              <a:defRPr sz="2000"/>
+            </a:pPr>
+            <a:r>
+              <a:t>Uses voice interactions in local languages (Telugu/English).</a:t>
+            </a:r>
+          </a:p>
+          <a:p>
+            <a:pPr>
+              <a:defRPr sz="2000"/>
+            </a:pPr>
+            <a:r>
+              <a:t>Aims to bridge the digital divide for seamless agricultural management.</a:t>
             </a:r>
           </a:p>
         </p:txBody>
@@ -4671,15 +3978,8 @@
           <a:bodyPr/>
           <a:lstStyle/>
           <a:p>
-            <a:pPr>
-              <a:defRPr>
-                <a:solidFill>
-                  <a:srgbClr val="1A5F7A"/>
-                </a:solidFill>
-              </a:defRPr>
-            </a:pPr>
-            <a:r>
-              <a:t>The Problem</a:t>
+            <a:r>
+              <a:t>Introduction</a:t>
             </a:r>
           </a:p>
         </p:txBody>
@@ -4700,50 +4000,34 @@
           <a:lstStyle/>
           <a:p>
             <a:pPr>
-              <a:defRPr sz="2400">
-                <a:solidFill>
-                  <a:srgbClr val="2C3E50"/>
-                </a:solidFill>
-              </a:defRPr>
-            </a:pPr>
-            <a:r>
-              <a:t>Lack of Information: Limited access to scientific farming advice.</a:t>
-            </a:r>
-          </a:p>
-          <a:p>
-            <a:pPr>
-              <a:defRPr sz="2400">
-                <a:solidFill>
-                  <a:srgbClr val="2C3E50"/>
-                </a:solidFill>
-              </a:defRPr>
-            </a:pPr>
-            <a:r>
-              <a:t>Disease Outbreaks: Delayed diagnosis leads to harvest loss.</a:t>
-            </a:r>
-          </a:p>
-          <a:p>
-            <a:pPr>
-              <a:defRPr sz="2400">
-                <a:solidFill>
-                  <a:srgbClr val="2C3E50"/>
-                </a:solidFill>
-              </a:defRPr>
-            </a:pPr>
-            <a:r>
-              <a:t>Market Volatility: Unawareness of prices results in poor selling decisions.</a:t>
-            </a:r>
-          </a:p>
-          <a:p>
-            <a:pPr>
-              <a:defRPr sz="2400">
-                <a:solidFill>
-                  <a:srgbClr val="2C3E50"/>
-                </a:solidFill>
-              </a:defRPr>
-            </a:pPr>
-            <a:r>
-              <a:t>Language Barrier: Digital tools often inaccessible to rural farmers.</a:t>
+              <a:defRPr sz="2000"/>
+            </a:pPr>
+            <a:r>
+              <a:t>Agriculture is the backbone of the economy but faces a digital divide.</a:t>
+            </a:r>
+          </a:p>
+          <a:p>
+            <a:pPr>
+              <a:defRPr sz="2000"/>
+            </a:pPr>
+            <a:r>
+              <a:t>Farmers struggle with complex interfaces and language barriers.</a:t>
+            </a:r>
+          </a:p>
+          <a:p>
+            <a:pPr>
+              <a:defRPr sz="2000"/>
+            </a:pPr>
+            <a:r>
+              <a:t>FarmVoice introduces a Voice-First AI Agent to solve accessibility.</a:t>
+            </a:r>
+          </a:p>
+          <a:p>
+            <a:pPr>
+              <a:defRPr sz="2000"/>
+            </a:pPr>
+            <a:r>
+              <a:t>Available on Web and Mobile for broad reach.</a:t>
             </a:r>
           </a:p>
         </p:txBody>
@@ -4781,15 +4065,8 @@
           <a:bodyPr/>
           <a:lstStyle/>
           <a:p>
-            <a:pPr>
-              <a:defRPr>
-                <a:solidFill>
-                  <a:srgbClr val="1A5F7A"/>
-                </a:solidFill>
-              </a:defRPr>
-            </a:pPr>
-            <a:r>
-              <a:t>The Solution: FarmVoice</a:t>
+            <a:r>
+              <a:t>Problem Statement</a:t>
             </a:r>
           </a:p>
         </p:txBody>
@@ -4810,50 +4087,34 @@
           <a:lstStyle/>
           <a:p>
             <a:pPr>
-              <a:defRPr sz="2400">
-                <a:solidFill>
-                  <a:srgbClr val="2C3E50"/>
-                </a:solidFill>
-              </a:defRPr>
-            </a:pPr>
-            <a:r>
-              <a:t>Accessible: Multilingual Voice Assistant (English, Telugu, Hindi).</a:t>
-            </a:r>
-          </a:p>
-          <a:p>
-            <a:pPr>
-              <a:defRPr sz="2400">
-                <a:solidFill>
-                  <a:srgbClr val="2C3E50"/>
-                </a:solidFill>
-              </a:defRPr>
-            </a:pPr>
-            <a:r>
-              <a:t>Intelligent: AI-driven crop recommendations &amp; disease diagnosis.</a:t>
-            </a:r>
-          </a:p>
-          <a:p>
-            <a:pPr>
-              <a:defRPr sz="2400">
-                <a:solidFill>
-                  <a:srgbClr val="2C3E50"/>
-                </a:solidFill>
-              </a:defRPr>
-            </a:pPr>
-            <a:r>
-              <a:t>Real-Time: Live market prices &amp; precise weather forecasts.</a:t>
-            </a:r>
-          </a:p>
-          <a:p>
-            <a:pPr>
-              <a:defRPr sz="2400">
-                <a:solidFill>
-                  <a:srgbClr val="2C3E50"/>
-                </a:solidFill>
-              </a:defRPr>
-            </a:pPr>
-            <a:r>
-              <a:t>Hyper-Local: Insights based on specific location (Pincode/GPS).</a:t>
+              <a:defRPr sz="2000"/>
+            </a:pPr>
+            <a:r>
+              <a:t>Literacy Barriers: Farmers find text-heavy apps difficult to use.</a:t>
+            </a:r>
+          </a:p>
+          <a:p>
+            <a:pPr>
+              <a:defRPr sz="2000"/>
+            </a:pPr>
+            <a:r>
+              <a:t>Complexity: Navigation systems in existing apps are not intuitive.</a:t>
+            </a:r>
+          </a:p>
+          <a:p>
+            <a:pPr>
+              <a:defRPr sz="2000"/>
+            </a:pPr>
+            <a:r>
+              <a:t>Lack of Real-Time Advisory: Delayed information affects decision making.</a:t>
+            </a:r>
+          </a:p>
+          <a:p>
+            <a:pPr>
+              <a:defRPr sz="2000"/>
+            </a:pPr>
+            <a:r>
+              <a:t>Language Gap: English-centric solutions alienate rural users.</a:t>
             </a:r>
           </a:p>
         </p:txBody>
@@ -4891,15 +4152,8 @@
           <a:bodyPr/>
           <a:lstStyle/>
           <a:p>
-            <a:pPr>
-              <a:defRPr>
-                <a:solidFill>
-                  <a:srgbClr val="1A5F7A"/>
-                </a:solidFill>
-              </a:defRPr>
-            </a:pPr>
-            <a:r>
-              <a:t>Key Features Overview</a:t>
+            <a:r>
+              <a:t>Objectives</a:t>
             </a:r>
           </a:p>
         </p:txBody>
@@ -4920,74 +4174,42 @@
           <a:lstStyle/>
           <a:p>
             <a:pPr>
-              <a:defRPr sz="2400">
-                <a:solidFill>
-                  <a:srgbClr val="2C3E50"/>
-                </a:solidFill>
-              </a:defRPr>
-            </a:pPr>
-            <a:r>
-              <a:t>1. Smart Crop Recommendation</a:t>
-            </a:r>
-          </a:p>
-          <a:p>
-            <a:pPr>
-              <a:defRPr sz="2400">
-                <a:solidFill>
-                  <a:srgbClr val="2C3E50"/>
-                </a:solidFill>
-              </a:defRPr>
-            </a:pPr>
-            <a:r>
-              <a:t>2. AI Disease Diagnosis</a:t>
-            </a:r>
-          </a:p>
-          <a:p>
-            <a:pPr>
-              <a:defRPr sz="2400">
-                <a:solidFill>
-                  <a:srgbClr val="2C3E50"/>
-                </a:solidFill>
-              </a:defRPr>
-            </a:pPr>
-            <a:r>
-              <a:t>3. Real-Time Market Prices (Mandis)</a:t>
-            </a:r>
-          </a:p>
-          <a:p>
-            <a:pPr>
-              <a:defRPr sz="2400">
-                <a:solidFill>
-                  <a:srgbClr val="2C3E50"/>
-                </a:solidFill>
-              </a:defRPr>
-            </a:pPr>
-            <a:r>
-              <a:t>4. Interactive Voice Assistant</a:t>
-            </a:r>
-          </a:p>
-          <a:p>
-            <a:pPr>
-              <a:defRPr sz="2400">
-                <a:solidFill>
-                  <a:srgbClr val="2C3E50"/>
-                </a:solidFill>
-              </a:defRPr>
-            </a:pPr>
-            <a:r>
-              <a:t>5. Weather Forecast &amp; Alerts</a:t>
-            </a:r>
-          </a:p>
-          <a:p>
-            <a:pPr>
-              <a:defRPr sz="2400">
-                <a:solidFill>
-                  <a:srgbClr val="2C3E50"/>
-                </a:solidFill>
-              </a:defRPr>
-            </a:pPr>
-            <a:r>
-              <a:t>6. Government Schemes Information</a:t>
+              <a:defRPr sz="2000"/>
+            </a:pPr>
+            <a:r>
+              <a:t>Enable hands-free Voice Command interaction.</a:t>
+            </a:r>
+          </a:p>
+          <a:p>
+            <a:pPr>
+              <a:defRPr sz="2000"/>
+            </a:pPr>
+            <a:r>
+              <a:t>Support Multilingual input/output (Telugu &amp; English).</a:t>
+            </a:r>
+          </a:p>
+          <a:p>
+            <a:pPr>
+              <a:defRPr sz="2000"/>
+            </a:pPr>
+            <a:r>
+              <a:t>Provide real-time Weather, Market Prices, and Advisory.</a:t>
+            </a:r>
+          </a:p>
+          <a:p>
+            <a:pPr>
+              <a:defRPr sz="2000"/>
+            </a:pPr>
+            <a:r>
+              <a:t>Ensure high availability and low latency (&lt; 2s response).</a:t>
+            </a:r>
+          </a:p>
+          <a:p>
+            <a:pPr>
+              <a:defRPr sz="2000"/>
+            </a:pPr>
+            <a:r>
+              <a:t>Implement personalized CHI/DTS based user onboarding.</a:t>
             </a:r>
           </a:p>
         </p:txBody>
@@ -5025,15 +4247,8 @@
           <a:bodyPr/>
           <a:lstStyle/>
           <a:p>
-            <a:pPr>
-              <a:defRPr>
-                <a:solidFill>
-                  <a:srgbClr val="1A5F7A"/>
-                </a:solidFill>
-              </a:defRPr>
-            </a:pPr>
-            <a:r>
-              <a:t>Smart Crop Recommendation</a:t>
+            <a:r>
+              <a:t>Literature Survey</a:t>
             </a:r>
           </a:p>
         </p:txBody>
@@ -5054,50 +4269,34 @@
           <a:lstStyle/>
           <a:p>
             <a:pPr>
-              <a:defRPr sz="2400">
-                <a:solidFill>
-                  <a:srgbClr val="2C3E50"/>
-                </a:solidFill>
-              </a:defRPr>
-            </a:pPr>
-            <a:r>
-              <a:t>Input: Soil type, NPK levels, rainfall, temperature.</a:t>
-            </a:r>
-          </a:p>
-          <a:p>
-            <a:pPr>
-              <a:defRPr sz="2400">
-                <a:solidFill>
-                  <a:srgbClr val="2C3E50"/>
-                </a:solidFill>
-              </a:defRPr>
-            </a:pPr>
-            <a:r>
-              <a:t>AI Model: Uses ML to predict suitable crops.</a:t>
-            </a:r>
-          </a:p>
-          <a:p>
-            <a:pPr>
-              <a:defRPr sz="2400">
-                <a:solidFill>
-                  <a:srgbClr val="2C3E50"/>
-                </a:solidFill>
-              </a:defRPr>
-            </a:pPr>
-            <a:r>
-              <a:t>Output: Recommends crops with highest probability of success.</a:t>
-            </a:r>
-          </a:p>
-          <a:p>
-            <a:pPr>
-              <a:defRPr sz="2400">
-                <a:solidFill>
-                  <a:srgbClr val="2C3E50"/>
-                </a:solidFill>
-              </a:defRPr>
-            </a:pPr>
-            <a:r>
-              <a:t>Profitability: Estimates profit per acre for the season.</a:t>
+              <a:defRPr sz="2000"/>
+            </a:pPr>
+            <a:r>
+              <a:t>Kisan Suvidha: Information-rich but text-heavy.</a:t>
+            </a:r>
+          </a:p>
+          <a:p>
+            <a:pPr>
+              <a:defRPr sz="2000"/>
+            </a:pPr>
+            <a:r>
+              <a:t>Agri-Market Apps: Good for prices, lack advisory.</a:t>
+            </a:r>
+          </a:p>
+          <a:p>
+            <a:pPr>
+              <a:defRPr sz="2000"/>
+            </a:pPr>
+            <a:r>
+              <a:t>Existing Voice Bots: Often limited in vocabulary or dialect support.</a:t>
+            </a:r>
+          </a:p>
+          <a:p>
+            <a:pPr>
+              <a:defRPr sz="2000"/>
+            </a:pPr>
+            <a:r>
+              <a:t>FarmVoice Gaps Addressed: Conversational AI + Real-time Data + Vernacular.</a:t>
             </a:r>
           </a:p>
         </p:txBody>
@@ -5135,15 +4334,8 @@
           <a:bodyPr/>
           <a:lstStyle/>
           <a:p>
-            <a:pPr>
-              <a:defRPr>
-                <a:solidFill>
-                  <a:srgbClr val="1A5F7A"/>
-                </a:solidFill>
-              </a:defRPr>
-            </a:pPr>
-            <a:r>
-              <a:t>AI-Powered Disease Diagnosis</a:t>
+            <a:r>
+              <a:t>Proposed System: FarmVoice 2.0</a:t>
             </a:r>
           </a:p>
         </p:txBody>
@@ -5164,50 +4356,34 @@
           <a:lstStyle/>
           <a:p>
             <a:pPr>
-              <a:defRPr sz="2400">
-                <a:solidFill>
-                  <a:srgbClr val="2C3E50"/>
-                </a:solidFill>
-              </a:defRPr>
-            </a:pPr>
-            <a:r>
-              <a:t>Functionality: Symptom-based diagnosis (Image-based planned).</a:t>
-            </a:r>
-          </a:p>
-          <a:p>
-            <a:pPr>
-              <a:defRPr sz="2400">
-                <a:solidFill>
-                  <a:srgbClr val="2C3E50"/>
-                </a:solidFill>
-              </a:defRPr>
-            </a:pPr>
-            <a:r>
-              <a:t>Database: Trained on 30+ common crop diseases (PlantVillage).</a:t>
-            </a:r>
-          </a:p>
-          <a:p>
-            <a:pPr>
-              <a:defRPr sz="2400">
-                <a:solidFill>
-                  <a:srgbClr val="2C3E50"/>
-                </a:solidFill>
-              </a:defRPr>
-            </a:pPr>
-            <a:r>
-              <a:t>Response: Immediate diagnosis, severity, and treatment steps.</a:t>
-            </a:r>
-          </a:p>
-          <a:p>
-            <a:pPr>
-              <a:defRPr sz="2400">
-                <a:solidFill>
-                  <a:srgbClr val="2C3E50"/>
-                </a:solidFill>
-              </a:defRPr>
-            </a:pPr>
-            <a:r>
-              <a:t>Benefit: Enables early intervention to reduce crop loss.</a:t>
+              <a:defRPr sz="2000"/>
+            </a:pPr>
+            <a:r>
+              <a:t>Unified AI Agent handling all queries.</a:t>
+            </a:r>
+          </a:p>
+          <a:p>
+            <a:pPr>
+              <a:defRPr sz="2000"/>
+            </a:pPr>
+            <a:r>
+              <a:t>Voice-to-Action pipeline using STT and TTS.</a:t>
+            </a:r>
+          </a:p>
+          <a:p>
+            <a:pPr>
+              <a:defRPr sz="2000"/>
+            </a:pPr>
+            <a:r>
+              <a:t>Integration of LLM (LangGraph) for intelligent routing.</a:t>
+            </a:r>
+          </a:p>
+          <a:p>
+            <a:pPr>
+              <a:defRPr sz="2000"/>
+            </a:pPr>
+            <a:r>
+              <a:t>New User 'Grace Period' for simplified onboarding.</a:t>
             </a:r>
           </a:p>
         </p:txBody>
@@ -5245,15 +4421,8 @@
           <a:bodyPr/>
           <a:lstStyle/>
           <a:p>
-            <a:pPr>
-              <a:defRPr>
-                <a:solidFill>
-                  <a:srgbClr val="1A5F7A"/>
-                </a:solidFill>
-              </a:defRPr>
-            </a:pPr>
-            <a:r>
-              <a:t>Real-Time Market Intelligence</a:t>
+            <a:r>
+              <a:t>System Architecture</a:t>
             </a:r>
           </a:p>
         </p:txBody>
@@ -5274,50 +4443,34 @@
           <a:lstStyle/>
           <a:p>
             <a:pPr>
-              <a:defRPr sz="2400">
-                <a:solidFill>
-                  <a:srgbClr val="2C3E50"/>
-                </a:solidFill>
-              </a:defRPr>
-            </a:pPr>
-            <a:r>
-              <a:t>Data Source: Agmarknet and government portals.</a:t>
-            </a:r>
-          </a:p>
-          <a:p>
-            <a:pPr>
-              <a:defRPr sz="2400">
-                <a:solidFill>
-                  <a:srgbClr val="2C3E50"/>
-                </a:solidFill>
-              </a:defRPr>
-            </a:pPr>
-            <a:r>
-              <a:t>Live Market Prices: From nearby Mandis.</a:t>
-            </a:r>
-          </a:p>
-          <a:p>
-            <a:pPr>
-              <a:defRPr sz="2400">
-                <a:solidFill>
-                  <a:srgbClr val="2C3E50"/>
-                </a:solidFill>
-              </a:defRPr>
-            </a:pPr>
-            <a:r>
-              <a:t>Analysis: Price trends (High/Low/Modal) &amp; distance sorting.</a:t>
-            </a:r>
-          </a:p>
-          <a:p>
-            <a:pPr>
-              <a:defRPr sz="2400">
-                <a:solidFill>
-                  <a:srgbClr val="2C3E50"/>
-                </a:solidFill>
-              </a:defRPr>
-            </a:pPr>
-            <a:r>
-              <a:t>Impact: Helps farmers choose the best time and place to sell.</a:t>
+              <a:defRPr sz="2000"/>
+            </a:pPr>
+            <a:r>
+              <a:t>Frontend: Next.js + React (Voice UI).</a:t>
+            </a:r>
+          </a:p>
+          <a:p>
+            <a:pPr>
+              <a:defRPr sz="2000"/>
+            </a:pPr>
+            <a:r>
+              <a:t>Backend: FastAPI (Python) + LangGraph Orchestration.</a:t>
+            </a:r>
+          </a:p>
+          <a:p>
+            <a:pPr>
+              <a:defRPr sz="2000"/>
+            </a:pPr>
+            <a:r>
+              <a:t>AI Models: Gemini/Llama (Intelligence), Google/Groq (STT/TTS).</a:t>
+            </a:r>
+          </a:p>
+          <a:p>
+            <a:pPr>
+              <a:defRPr sz="2000"/>
+            </a:pPr>
+            <a:r>
+              <a:t>Database: Supabase (PostgreSQL) for user data &amp; logs.</a:t>
             </a:r>
           </a:p>
         </p:txBody>
@@ -5355,15 +4508,8 @@
           <a:bodyPr/>
           <a:lstStyle/>
           <a:p>
-            <a:pPr>
-              <a:defRPr>
-                <a:solidFill>
-                  <a:srgbClr val="1A5F7A"/>
-                </a:solidFill>
-              </a:defRPr>
-            </a:pPr>
-            <a:r>
-              <a:t>Intelligent Voice Assistant</a:t>
+            <a:r>
+              <a:t>Methodology / Workflow</a:t>
             </a:r>
           </a:p>
         </p:txBody>
@@ -5384,50 +4530,42 @@
           <a:lstStyle/>
           <a:p>
             <a:pPr>
-              <a:defRPr sz="2400">
-                <a:solidFill>
-                  <a:srgbClr val="2C3E50"/>
-                </a:solidFill>
-              </a:defRPr>
-            </a:pPr>
-            <a:r>
-              <a:t>Modes: Classic (Query-Response) &amp; Real-Time (WebSocket streaming).</a:t>
-            </a:r>
-          </a:p>
-          <a:p>
-            <a:pPr>
-              <a:defRPr sz="2400">
-                <a:solidFill>
-                  <a:srgbClr val="2C3E50"/>
-                </a:solidFill>
-              </a:defRPr>
-            </a:pPr>
-            <a:r>
-              <a:t>Multilingual: Supports Telugu, Hindi, English.</a:t>
-            </a:r>
-          </a:p>
-          <a:p>
-            <a:pPr>
-              <a:defRPr sz="2400">
-                <a:solidFill>
-                  <a:srgbClr val="2C3E50"/>
-                </a:solidFill>
-              </a:defRPr>
-            </a:pPr>
-            <a:r>
-              <a:t>Capabilities: Answering complex queries like 'How to cure leaf curl?'.</a:t>
-            </a:r>
-          </a:p>
-          <a:p>
-            <a:pPr>
-              <a:defRPr sz="2400">
-                <a:solidFill>
-                  <a:srgbClr val="2C3E50"/>
-                </a:solidFill>
-              </a:defRPr>
-            </a:pPr>
-            <a:r>
-              <a:t>Accessibility: Breaks the literacy barrier for farmers.</a:t>
+              <a:defRPr sz="2000"/>
+            </a:pPr>
+            <a:r>
+              <a:t>1. Input: User speaks query in Telugu/English.</a:t>
+            </a:r>
+          </a:p>
+          <a:p>
+            <a:pPr>
+              <a:defRPr sz="2000"/>
+            </a:pPr>
+            <a:r>
+              <a:t>2. STT: Converts audio to text.</a:t>
+            </a:r>
+          </a:p>
+          <a:p>
+            <a:pPr>
+              <a:defRPr sz="2000"/>
+            </a:pPr>
+            <a:r>
+              <a:t>3. Processing: LLM identifies intent (Weather/Market/Advice).</a:t>
+            </a:r>
+          </a:p>
+          <a:p>
+            <a:pPr>
+              <a:defRPr sz="2000"/>
+            </a:pPr>
+            <a:r>
+              <a:t>4. Action: Fetches data via APIs.</a:t>
+            </a:r>
+          </a:p>
+          <a:p>
+            <a:pPr>
+              <a:defRPr sz="2000"/>
+            </a:pPr>
+            <a:r>
+              <a:t>5. Output: Generates response &amp; speaks back (TTS).</a:t>
             </a:r>
           </a:p>
         </p:txBody>
